--- a/R/スライド/第37回.pptx
+++ b/R/スライド/第37回.pptx
@@ -10,7 +10,8 @@
     <p:sldId id="260" r:id="rId4"/>
     <p:sldId id="261" r:id="rId5"/>
     <p:sldId id="263" r:id="rId6"/>
-    <p:sldId id="262" r:id="rId7"/>
+    <p:sldId id="264" r:id="rId7"/>
+    <p:sldId id="262" r:id="rId8"/>
   </p:sldIdLst>
   <p:sldSz cx="12192000" cy="6858000"/>
   <p:notesSz cx="6858000" cy="9144000"/>
@@ -117,16 +118,55 @@
 </p:presentation>
 </file>
 
-<file path=ppt/revisionInfo.xml><?xml version="1.0" encoding="utf-8"?>
-<p1510:revInfo xmlns:a="http://schemas.openxmlformats.org/drawingml/2006/main" xmlns:r="http://schemas.openxmlformats.org/officeDocument/2006/relationships" xmlns:p1510="http://schemas.microsoft.com/office/powerpoint/2015/10/main">
-  <p1510:revLst>
-    <p1510:client id="{F4E9B965-5323-4642-8823-DDA92C3D0D7C}" v="45" dt="2022-05-06T05:22:13.280"/>
-  </p1510:revLst>
-</p1510:revInfo>
-</file>
-
 <file path=ppt/changesInfos/changesInfo1.xml><?xml version="1.0" encoding="utf-8"?>
 <pc:chgInfo xmlns:a="http://schemas.openxmlformats.org/drawingml/2006/main" xmlns:r="http://schemas.openxmlformats.org/officeDocument/2006/relationships" xmlns:ac="http://schemas.microsoft.com/office/drawing/2013/main/command" xmlns:pc="http://schemas.microsoft.com/office/powerpoint/2013/main/command">
+  <pc:docChgLst>
+    <pc:chgData name="Shin Fukui" userId="6902ee70c48ce296" providerId="LiveId" clId="{E00B2970-39C1-2D49-9DCF-8D1A99B952A3}"/>
+    <pc:docChg chg="custSel addSld modSld">
+      <pc:chgData name="Shin Fukui" userId="6902ee70c48ce296" providerId="LiveId" clId="{E00B2970-39C1-2D49-9DCF-8D1A99B952A3}" dt="2023-11-12T06:06:29.183" v="291" actId="20577"/>
+      <pc:docMkLst>
+        <pc:docMk/>
+      </pc:docMkLst>
+      <pc:sldChg chg="modSp mod">
+        <pc:chgData name="Shin Fukui" userId="6902ee70c48ce296" providerId="LiveId" clId="{E00B2970-39C1-2D49-9DCF-8D1A99B952A3}" dt="2023-11-12T06:05:00.093" v="94" actId="20577"/>
+        <pc:sldMkLst>
+          <pc:docMk/>
+          <pc:sldMk cId="3290061903" sldId="262"/>
+        </pc:sldMkLst>
+        <pc:spChg chg="mod">
+          <ac:chgData name="Shin Fukui" userId="6902ee70c48ce296" providerId="LiveId" clId="{E00B2970-39C1-2D49-9DCF-8D1A99B952A3}" dt="2023-11-12T06:05:00.093" v="94" actId="20577"/>
+          <ac:spMkLst>
+            <pc:docMk/>
+            <pc:sldMk cId="3290061903" sldId="262"/>
+            <ac:spMk id="3" creationId="{2D8F4FF9-CD0C-7A25-E15C-ECEC27DDA3CC}"/>
+          </ac:spMkLst>
+        </pc:spChg>
+      </pc:sldChg>
+      <pc:sldChg chg="modSp new mod">
+        <pc:chgData name="Shin Fukui" userId="6902ee70c48ce296" providerId="LiveId" clId="{E00B2970-39C1-2D49-9DCF-8D1A99B952A3}" dt="2023-11-12T06:06:29.183" v="291" actId="20577"/>
+        <pc:sldMkLst>
+          <pc:docMk/>
+          <pc:sldMk cId="1382584098" sldId="264"/>
+        </pc:sldMkLst>
+        <pc:spChg chg="mod">
+          <ac:chgData name="Shin Fukui" userId="6902ee70c48ce296" providerId="LiveId" clId="{E00B2970-39C1-2D49-9DCF-8D1A99B952A3}" dt="2023-11-12T06:05:25.482" v="136" actId="20577"/>
+          <ac:spMkLst>
+            <pc:docMk/>
+            <pc:sldMk cId="1382584098" sldId="264"/>
+            <ac:spMk id="2" creationId="{37EBC556-706D-2960-E698-CA10114AC07D}"/>
+          </ac:spMkLst>
+        </pc:spChg>
+        <pc:spChg chg="mod">
+          <ac:chgData name="Shin Fukui" userId="6902ee70c48ce296" providerId="LiveId" clId="{E00B2970-39C1-2D49-9DCF-8D1A99B952A3}" dt="2023-11-12T06:06:29.183" v="291" actId="20577"/>
+          <ac:spMkLst>
+            <pc:docMk/>
+            <pc:sldMk cId="1382584098" sldId="264"/>
+            <ac:spMk id="3" creationId="{F2E0731D-37B1-EF63-546E-49C81120AE39}"/>
+          </ac:spMkLst>
+        </pc:spChg>
+      </pc:sldChg>
+    </pc:docChg>
+  </pc:docChgLst>
   <pc:docChgLst>
     <pc:chgData name="Fukui Shin" userId="6902ee70c48ce296" providerId="LiveId" clId="{F4E9B965-5323-4642-8823-DDA92C3D0D7C}"/>
     <pc:docChg chg="undo custSel addSld modSld">
@@ -1884,7 +1924,7 @@
           <a:p>
             <a:fld id="{48B2A24A-3B12-DE45-86A7-EE16C4C7F3A0}" type="datetimeFigureOut">
               <a:rPr kumimoji="1" lang="ja-JP" altLang="en-US" smtClean="0"/>
-              <a:t>2023/9/21</a:t>
+              <a:t>2023/11/12</a:t>
             </a:fld>
             <a:endParaRPr kumimoji="1" lang="ja-JP" altLang="en-US"/>
           </a:p>
@@ -2114,7 +2154,7 @@
           <a:p>
             <a:fld id="{48B2A24A-3B12-DE45-86A7-EE16C4C7F3A0}" type="datetimeFigureOut">
               <a:rPr kumimoji="1" lang="ja-JP" altLang="en-US" smtClean="0"/>
-              <a:t>2023/9/21</a:t>
+              <a:t>2023/11/12</a:t>
             </a:fld>
             <a:endParaRPr kumimoji="1" lang="ja-JP" altLang="en-US"/>
           </a:p>
@@ -2354,7 +2394,7 @@
           <a:p>
             <a:fld id="{48B2A24A-3B12-DE45-86A7-EE16C4C7F3A0}" type="datetimeFigureOut">
               <a:rPr kumimoji="1" lang="ja-JP" altLang="en-US" smtClean="0"/>
-              <a:t>2023/9/21</a:t>
+              <a:t>2023/11/12</a:t>
             </a:fld>
             <a:endParaRPr kumimoji="1" lang="ja-JP" altLang="en-US"/>
           </a:p>
@@ -2584,7 +2624,7 @@
           <a:p>
             <a:fld id="{48B2A24A-3B12-DE45-86A7-EE16C4C7F3A0}" type="datetimeFigureOut">
               <a:rPr kumimoji="1" lang="ja-JP" altLang="en-US" smtClean="0"/>
-              <a:t>2023/9/21</a:t>
+              <a:t>2023/11/12</a:t>
             </a:fld>
             <a:endParaRPr kumimoji="1" lang="ja-JP" altLang="en-US"/>
           </a:p>
@@ -2859,7 +2899,7 @@
           <a:p>
             <a:fld id="{48B2A24A-3B12-DE45-86A7-EE16C4C7F3A0}" type="datetimeFigureOut">
               <a:rPr kumimoji="1" lang="ja-JP" altLang="en-US" smtClean="0"/>
-              <a:t>2023/9/21</a:t>
+              <a:t>2023/11/12</a:t>
             </a:fld>
             <a:endParaRPr kumimoji="1" lang="ja-JP" altLang="en-US"/>
           </a:p>
@@ -3188,7 +3228,7 @@
           <a:p>
             <a:fld id="{48B2A24A-3B12-DE45-86A7-EE16C4C7F3A0}" type="datetimeFigureOut">
               <a:rPr kumimoji="1" lang="ja-JP" altLang="en-US" smtClean="0"/>
-              <a:t>2023/9/21</a:t>
+              <a:t>2023/11/12</a:t>
             </a:fld>
             <a:endParaRPr kumimoji="1" lang="ja-JP" altLang="en-US"/>
           </a:p>
@@ -3664,7 +3704,7 @@
           <a:p>
             <a:fld id="{48B2A24A-3B12-DE45-86A7-EE16C4C7F3A0}" type="datetimeFigureOut">
               <a:rPr kumimoji="1" lang="ja-JP" altLang="en-US" smtClean="0"/>
-              <a:t>2023/9/21</a:t>
+              <a:t>2023/11/12</a:t>
             </a:fld>
             <a:endParaRPr kumimoji="1" lang="ja-JP" altLang="en-US"/>
           </a:p>
@@ -3805,7 +3845,7 @@
           <a:p>
             <a:fld id="{48B2A24A-3B12-DE45-86A7-EE16C4C7F3A0}" type="datetimeFigureOut">
               <a:rPr kumimoji="1" lang="ja-JP" altLang="en-US" smtClean="0"/>
-              <a:t>2023/9/21</a:t>
+              <a:t>2023/11/12</a:t>
             </a:fld>
             <a:endParaRPr kumimoji="1" lang="ja-JP" altLang="en-US"/>
           </a:p>
@@ -3918,7 +3958,7 @@
           <a:p>
             <a:fld id="{48B2A24A-3B12-DE45-86A7-EE16C4C7F3A0}" type="datetimeFigureOut">
               <a:rPr kumimoji="1" lang="ja-JP" altLang="en-US" smtClean="0"/>
-              <a:t>2023/9/21</a:t>
+              <a:t>2023/11/12</a:t>
             </a:fld>
             <a:endParaRPr kumimoji="1" lang="ja-JP" altLang="en-US"/>
           </a:p>
@@ -4261,7 +4301,7 @@
           <a:p>
             <a:fld id="{48B2A24A-3B12-DE45-86A7-EE16C4C7F3A0}" type="datetimeFigureOut">
               <a:rPr kumimoji="1" lang="ja-JP" altLang="en-US" smtClean="0"/>
-              <a:t>2023/9/21</a:t>
+              <a:t>2023/11/12</a:t>
             </a:fld>
             <a:endParaRPr kumimoji="1" lang="ja-JP" altLang="en-US"/>
           </a:p>
@@ -4549,7 +4589,7 @@
           <a:p>
             <a:fld id="{48B2A24A-3B12-DE45-86A7-EE16C4C7F3A0}" type="datetimeFigureOut">
               <a:rPr kumimoji="1" lang="ja-JP" altLang="en-US" smtClean="0"/>
-              <a:t>2023/9/21</a:t>
+              <a:t>2023/11/12</a:t>
             </a:fld>
             <a:endParaRPr kumimoji="1" lang="ja-JP" altLang="en-US"/>
           </a:p>
@@ -4822,7 +4862,7 @@
           <a:p>
             <a:fld id="{48B2A24A-3B12-DE45-86A7-EE16C4C7F3A0}" type="datetimeFigureOut">
               <a:rPr kumimoji="1" lang="ja-JP" altLang="en-US" smtClean="0"/>
-              <a:t>2023/9/21</a:t>
+              <a:t>2023/11/12</a:t>
             </a:fld>
             <a:endParaRPr kumimoji="1" lang="ja-JP" altLang="en-US"/>
           </a:p>
@@ -13168,7 +13208,7 @@
           <p:cNvPr id="2" name="タイトル 1">
             <a:extLst>
               <a:ext uri="{FF2B5EF4-FFF2-40B4-BE49-F238E27FC236}">
-                <a16:creationId xmlns:a16="http://schemas.microsoft.com/office/drawing/2014/main" id="{3960E097-7674-00FA-1FC8-85C5B24FC10C}"/>
+                <a16:creationId xmlns:a16="http://schemas.microsoft.com/office/drawing/2014/main" id="{37EBC556-706D-2960-E698-CA10114AC07D}"/>
               </a:ext>
             </a:extLst>
           </p:cNvPr>
@@ -13186,19 +13226,11 @@
           <a:p>
             <a:r>
               <a:rPr kumimoji="1" lang="en-US" altLang="ja-JP" dirty="0"/>
-              <a:t>R</a:t>
+              <a:t>k-means</a:t>
             </a:r>
             <a:r>
               <a:rPr kumimoji="1" lang="ja-JP" altLang="en-US"/>
-              <a:t>で</a:t>
-            </a:r>
-            <a:r>
-              <a:rPr kumimoji="1" lang="en-US" altLang="ja-JP" dirty="0"/>
-              <a:t>k-means</a:t>
-            </a:r>
-            <a:r>
-              <a:rPr kumimoji="1" lang="ja-JP" altLang="en-US"/>
-              <a:t>法実践</a:t>
+              <a:t>法の短所</a:t>
             </a:r>
           </a:p>
         </p:txBody>
@@ -13208,7 +13240,7 @@
           <p:cNvPr id="3" name="コンテンツ プレースホルダー 2">
             <a:extLst>
               <a:ext uri="{FF2B5EF4-FFF2-40B4-BE49-F238E27FC236}">
-                <a16:creationId xmlns:a16="http://schemas.microsoft.com/office/drawing/2014/main" id="{2D8F4FF9-CD0C-7A25-E15C-ECEC27DDA3CC}"/>
+                <a16:creationId xmlns:a16="http://schemas.microsoft.com/office/drawing/2014/main" id="{F2E0731D-37B1-EF63-546E-49C81120AE39}"/>
               </a:ext>
             </a:extLst>
           </p:cNvPr>
@@ -13225,6 +13257,127 @@
           <a:lstStyle/>
           <a:p>
             <a:r>
+              <a:rPr lang="ja-JP" altLang="en-US"/>
+              <a:t>初期値依存性が高い．</a:t>
+            </a:r>
+            <a:endParaRPr lang="en-US" altLang="ja-JP" dirty="0"/>
+          </a:p>
+          <a:p>
+            <a:endParaRPr kumimoji="1" lang="en-US" altLang="ja-JP" dirty="0"/>
+          </a:p>
+          <a:p>
+            <a:r>
+              <a:rPr lang="ja-JP" altLang="en-US"/>
+              <a:t>外れ値の影響が大きい．</a:t>
+            </a:r>
+            <a:endParaRPr lang="en-US" altLang="ja-JP" dirty="0"/>
+          </a:p>
+          <a:p>
+            <a:endParaRPr kumimoji="1" lang="en-US" altLang="ja-JP" dirty="0"/>
+          </a:p>
+          <a:p>
+            <a:r>
+              <a:rPr lang="ja-JP" altLang="en-US"/>
+              <a:t>クラスターの個数をあらかじめ分析者が決める．</a:t>
+            </a:r>
+            <a:endParaRPr kumimoji="1" lang="ja-JP" altLang="en-US"/>
+          </a:p>
+        </p:txBody>
+      </p:sp>
+    </p:spTree>
+    <p:extLst>
+      <p:ext uri="{BB962C8B-B14F-4D97-AF65-F5344CB8AC3E}">
+        <p14:creationId xmlns:p14="http://schemas.microsoft.com/office/powerpoint/2010/main" val="1382584098"/>
+      </p:ext>
+    </p:extLst>
+  </p:cSld>
+  <p:clrMapOvr>
+    <a:masterClrMapping/>
+  </p:clrMapOvr>
+</p:sld>
+</file>
+
+<file path=ppt/slides/slide7.xml><?xml version="1.0" encoding="utf-8"?>
+<p:sld xmlns:a="http://schemas.openxmlformats.org/drawingml/2006/main" xmlns:r="http://schemas.openxmlformats.org/officeDocument/2006/relationships" xmlns:p="http://schemas.openxmlformats.org/presentationml/2006/main">
+  <p:cSld>
+    <p:spTree>
+      <p:nvGrpSpPr>
+        <p:cNvPr id="1" name=""/>
+        <p:cNvGrpSpPr/>
+        <p:nvPr/>
+      </p:nvGrpSpPr>
+      <p:grpSpPr>
+        <a:xfrm>
+          <a:off x="0" y="0"/>
+          <a:ext cx="0" cy="0"/>
+          <a:chOff x="0" y="0"/>
+          <a:chExt cx="0" cy="0"/>
+        </a:xfrm>
+      </p:grpSpPr>
+      <p:sp>
+        <p:nvSpPr>
+          <p:cNvPr id="2" name="タイトル 1">
+            <a:extLst>
+              <a:ext uri="{FF2B5EF4-FFF2-40B4-BE49-F238E27FC236}">
+                <a16:creationId xmlns:a16="http://schemas.microsoft.com/office/drawing/2014/main" id="{3960E097-7674-00FA-1FC8-85C5B24FC10C}"/>
+              </a:ext>
+            </a:extLst>
+          </p:cNvPr>
+          <p:cNvSpPr>
+            <a:spLocks noGrp="1"/>
+          </p:cNvSpPr>
+          <p:nvPr>
+            <p:ph type="title"/>
+          </p:nvPr>
+        </p:nvSpPr>
+        <p:spPr/>
+        <p:txBody>
+          <a:bodyPr/>
+          <a:lstStyle/>
+          <a:p>
+            <a:r>
+              <a:rPr kumimoji="1" lang="en-US" altLang="ja-JP" dirty="0"/>
+              <a:t>R</a:t>
+            </a:r>
+            <a:r>
+              <a:rPr kumimoji="1" lang="ja-JP" altLang="en-US"/>
+              <a:t>で</a:t>
+            </a:r>
+            <a:r>
+              <a:rPr kumimoji="1" lang="en-US" altLang="ja-JP" dirty="0"/>
+              <a:t>k-means</a:t>
+            </a:r>
+            <a:r>
+              <a:rPr kumimoji="1" lang="ja-JP" altLang="en-US"/>
+              <a:t>法実践</a:t>
+            </a:r>
+          </a:p>
+        </p:txBody>
+      </p:sp>
+      <p:sp>
+        <p:nvSpPr>
+          <p:cNvPr id="3" name="コンテンツ プレースホルダー 2">
+            <a:extLst>
+              <a:ext uri="{FF2B5EF4-FFF2-40B4-BE49-F238E27FC236}">
+                <a16:creationId xmlns:a16="http://schemas.microsoft.com/office/drawing/2014/main" id="{2D8F4FF9-CD0C-7A25-E15C-ECEC27DDA3CC}"/>
+              </a:ext>
+            </a:extLst>
+          </p:cNvPr>
+          <p:cNvSpPr>
+            <a:spLocks noGrp="1"/>
+          </p:cNvSpPr>
+          <p:nvPr>
+            <p:ph idx="1"/>
+          </p:nvPr>
+        </p:nvSpPr>
+        <p:spPr/>
+        <p:txBody>
+          <a:bodyPr>
+            <a:normAutofit/>
+          </a:bodyPr>
+          <a:lstStyle/>
+          <a:p>
+            <a:r>
               <a:rPr kumimoji="1" lang="en-US" altLang="ja-JP" dirty="0" err="1"/>
               <a:t>kmeans</a:t>
             </a:r>
@@ -13308,7 +13461,7 @@
               <a:rPr lang="ja-JP" altLang="en-US"/>
               <a:t>関数を使うと便利．</a:t>
             </a:r>
-            <a:endParaRPr kumimoji="1" lang="ja-JP" altLang="en-US"/>
+            <a:endParaRPr lang="en-US" altLang="ja-JP" dirty="0"/>
           </a:p>
         </p:txBody>
       </p:sp>
